--- a/Patterns_forPnD.pptx
+++ b/Patterns_forPnD.pptx
@@ -5,7 +5,7 @@
     <p:sldMasterId id="2147483648" r:id="rId1"/>
   </p:sldMasterIdLst>
   <p:notesMasterIdLst>
-    <p:notesMasterId r:id="rId14"/>
+    <p:notesMasterId r:id="rId17"/>
   </p:notesMasterIdLst>
   <p:sldIdLst>
     <p:sldId id="258" r:id="rId2"/>
@@ -13,13 +13,16 @@
     <p:sldId id="260" r:id="rId4"/>
     <p:sldId id="261" r:id="rId5"/>
     <p:sldId id="269" r:id="rId6"/>
-    <p:sldId id="262" r:id="rId7"/>
-    <p:sldId id="263" r:id="rId8"/>
-    <p:sldId id="264" r:id="rId9"/>
-    <p:sldId id="265" r:id="rId10"/>
-    <p:sldId id="266" r:id="rId11"/>
-    <p:sldId id="267" r:id="rId12"/>
-    <p:sldId id="268" r:id="rId13"/>
+    <p:sldId id="271" r:id="rId7"/>
+    <p:sldId id="270" r:id="rId8"/>
+    <p:sldId id="272" r:id="rId9"/>
+    <p:sldId id="262" r:id="rId10"/>
+    <p:sldId id="263" r:id="rId11"/>
+    <p:sldId id="264" r:id="rId12"/>
+    <p:sldId id="265" r:id="rId13"/>
+    <p:sldId id="266" r:id="rId14"/>
+    <p:sldId id="267" r:id="rId15"/>
+    <p:sldId id="268" r:id="rId16"/>
   </p:sldIdLst>
   <p:sldSz cx="12192000" cy="6858000"/>
   <p:notesSz cx="6858000" cy="9144000"/>
@@ -219,7 +222,7 @@
           <a:p>
             <a:fld id="{123749BB-CDDE-48A6-83A7-A1764B1F388C}" type="datetimeFigureOut">
               <a:rPr lang="en-US" smtClean="0"/>
-              <a:t>11/15/2017</a:t>
+              <a:t>11/17/2017</a:t>
             </a:fld>
             <a:endParaRPr lang="en-US"/>
           </a:p>
@@ -633,6 +636,174 @@
 </p:notes>
 </file>
 
+<file path=ppt/notesSlides/notesSlide10.xml><?xml version="1.0" encoding="utf-8"?>
+<p:notes xmlns:a="http://schemas.openxmlformats.org/drawingml/2006/main" xmlns:r="http://schemas.openxmlformats.org/officeDocument/2006/relationships" xmlns:p="http://schemas.openxmlformats.org/presentationml/2006/main">
+  <p:cSld>
+    <p:spTree>
+      <p:nvGrpSpPr>
+        <p:cNvPr id="1" name=""/>
+        <p:cNvGrpSpPr/>
+        <p:nvPr/>
+      </p:nvGrpSpPr>
+      <p:grpSpPr>
+        <a:xfrm>
+          <a:off x="0" y="0"/>
+          <a:ext cx="0" cy="0"/>
+          <a:chOff x="0" y="0"/>
+          <a:chExt cx="0" cy="0"/>
+        </a:xfrm>
+      </p:grpSpPr>
+      <p:sp>
+        <p:nvSpPr>
+          <p:cNvPr id="2" name="Slide Image Placeholder 1"/>
+          <p:cNvSpPr>
+            <a:spLocks noGrp="1" noRot="1" noChangeAspect="1"/>
+          </p:cNvSpPr>
+          <p:nvPr>
+            <p:ph type="sldImg"/>
+          </p:nvPr>
+        </p:nvSpPr>
+        <p:spPr/>
+      </p:sp>
+      <p:sp>
+        <p:nvSpPr>
+          <p:cNvPr id="3" name="Notes Placeholder 2"/>
+          <p:cNvSpPr>
+            <a:spLocks noGrp="1"/>
+          </p:cNvSpPr>
+          <p:nvPr>
+            <p:ph type="body" idx="1"/>
+          </p:nvPr>
+        </p:nvSpPr>
+        <p:spPr/>
+        <p:txBody>
+          <a:bodyPr/>
+          <a:lstStyle/>
+          <a:p>
+            <a:endParaRPr lang="en-US" dirty="0"/>
+          </a:p>
+        </p:txBody>
+      </p:sp>
+      <p:sp>
+        <p:nvSpPr>
+          <p:cNvPr id="4" name="Slide Number Placeholder 3"/>
+          <p:cNvSpPr>
+            <a:spLocks noGrp="1"/>
+          </p:cNvSpPr>
+          <p:nvPr>
+            <p:ph type="sldNum" sz="quarter" idx="10"/>
+          </p:nvPr>
+        </p:nvSpPr>
+        <p:spPr/>
+        <p:txBody>
+          <a:bodyPr/>
+          <a:lstStyle/>
+          <a:p>
+            <a:fld id="{BCAD7939-502B-4402-A693-10FC1B22F625}" type="slidenum">
+              <a:rPr lang="en-US" smtClean="0"/>
+              <a:t>13</a:t>
+            </a:fld>
+            <a:endParaRPr lang="en-US"/>
+          </a:p>
+        </p:txBody>
+      </p:sp>
+    </p:spTree>
+    <p:extLst>
+      <p:ext uri="{BB962C8B-B14F-4D97-AF65-F5344CB8AC3E}">
+        <p14:creationId xmlns:p14="http://schemas.microsoft.com/office/powerpoint/2010/main" val="206710662"/>
+      </p:ext>
+    </p:extLst>
+  </p:cSld>
+  <p:clrMapOvr>
+    <a:masterClrMapping/>
+  </p:clrMapOvr>
+</p:notes>
+</file>
+
+<file path=ppt/notesSlides/notesSlide11.xml><?xml version="1.0" encoding="utf-8"?>
+<p:notes xmlns:a="http://schemas.openxmlformats.org/drawingml/2006/main" xmlns:r="http://schemas.openxmlformats.org/officeDocument/2006/relationships" xmlns:p="http://schemas.openxmlformats.org/presentationml/2006/main">
+  <p:cSld>
+    <p:spTree>
+      <p:nvGrpSpPr>
+        <p:cNvPr id="1" name=""/>
+        <p:cNvGrpSpPr/>
+        <p:nvPr/>
+      </p:nvGrpSpPr>
+      <p:grpSpPr>
+        <a:xfrm>
+          <a:off x="0" y="0"/>
+          <a:ext cx="0" cy="0"/>
+          <a:chOff x="0" y="0"/>
+          <a:chExt cx="0" cy="0"/>
+        </a:xfrm>
+      </p:grpSpPr>
+      <p:sp>
+        <p:nvSpPr>
+          <p:cNvPr id="2" name="Slide Image Placeholder 1"/>
+          <p:cNvSpPr>
+            <a:spLocks noGrp="1" noRot="1" noChangeAspect="1"/>
+          </p:cNvSpPr>
+          <p:nvPr>
+            <p:ph type="sldImg"/>
+          </p:nvPr>
+        </p:nvSpPr>
+        <p:spPr/>
+      </p:sp>
+      <p:sp>
+        <p:nvSpPr>
+          <p:cNvPr id="3" name="Notes Placeholder 2"/>
+          <p:cNvSpPr>
+            <a:spLocks noGrp="1"/>
+          </p:cNvSpPr>
+          <p:nvPr>
+            <p:ph type="body" idx="1"/>
+          </p:nvPr>
+        </p:nvSpPr>
+        <p:spPr/>
+        <p:txBody>
+          <a:bodyPr/>
+          <a:lstStyle/>
+          <a:p>
+            <a:endParaRPr lang="en-US" dirty="0"/>
+          </a:p>
+        </p:txBody>
+      </p:sp>
+      <p:sp>
+        <p:nvSpPr>
+          <p:cNvPr id="4" name="Slide Number Placeholder 3"/>
+          <p:cNvSpPr>
+            <a:spLocks noGrp="1"/>
+          </p:cNvSpPr>
+          <p:nvPr>
+            <p:ph type="sldNum" sz="quarter" idx="10"/>
+          </p:nvPr>
+        </p:nvSpPr>
+        <p:spPr/>
+        <p:txBody>
+          <a:bodyPr/>
+          <a:lstStyle/>
+          <a:p>
+            <a:fld id="{BCAD7939-502B-4402-A693-10FC1B22F625}" type="slidenum">
+              <a:rPr lang="en-US" smtClean="0"/>
+              <a:t>15</a:t>
+            </a:fld>
+            <a:endParaRPr lang="en-US"/>
+          </a:p>
+        </p:txBody>
+      </p:sp>
+    </p:spTree>
+    <p:extLst>
+      <p:ext uri="{BB962C8B-B14F-4D97-AF65-F5344CB8AC3E}">
+        <p14:creationId xmlns:p14="http://schemas.microsoft.com/office/powerpoint/2010/main" val="3536313739"/>
+      </p:ext>
+    </p:extLst>
+  </p:cSld>
+  <p:clrMapOvr>
+    <a:masterClrMapping/>
+  </p:clrMapOvr>
+</p:notes>
+</file>
+
 <file path=ppt/notesSlides/notesSlide2.xml><?xml version="1.0" encoding="utf-8"?>
 <p:notes xmlns:a="http://schemas.openxmlformats.org/drawingml/2006/main" xmlns:r="http://schemas.openxmlformats.org/officeDocument/2006/relationships" xmlns:p="http://schemas.openxmlformats.org/presentationml/2006/main">
   <p:cSld>
@@ -937,6 +1108,169 @@
           <a:bodyPr/>
           <a:lstStyle/>
           <a:p>
+            <a:r>
+              <a:rPr lang="en-US" dirty="0" smtClean="0"/>
+              <a:t>Made an important change to make sure I was plotting number</a:t>
+            </a:r>
+            <a:r>
+              <a:rPr lang="en-US" baseline="0" dirty="0" smtClean="0"/>
+              <a:t>s not factors</a:t>
+            </a:r>
+            <a:endParaRPr lang="en-US" dirty="0" smtClean="0"/>
+          </a:p>
+          <a:p>
+            <a:endParaRPr lang="en-US" dirty="0" smtClean="0"/>
+          </a:p>
+          <a:p>
+            <a:r>
+              <a:rPr lang="en-US" dirty="0" smtClean="0"/>
+              <a:t>Added the Divergence points across</a:t>
+            </a:r>
+            <a:r>
+              <a:rPr lang="en-US" baseline="0" dirty="0" smtClean="0"/>
+              <a:t> all three subspecies in males, (Dom-Cast divergence in </a:t>
+            </a:r>
+            <a:r>
+              <a:rPr lang="en-US" baseline="0" dirty="0" err="1" smtClean="0"/>
+              <a:t>co_means</a:t>
+            </a:r>
+            <a:r>
+              <a:rPr lang="en-US" baseline="0" dirty="0" smtClean="0"/>
+              <a:t> is leftmost, and </a:t>
+            </a:r>
+            <a:r>
+              <a:rPr lang="en-US" baseline="0" dirty="0" err="1" smtClean="0"/>
+              <a:t>Musc</a:t>
+            </a:r>
+            <a:r>
+              <a:rPr lang="en-US" baseline="0" dirty="0" smtClean="0"/>
+              <a:t>-Dom, </a:t>
+            </a:r>
+            <a:r>
+              <a:rPr lang="en-US" baseline="0" dirty="0" err="1" smtClean="0"/>
+              <a:t>Musc</a:t>
+            </a:r>
+            <a:r>
+              <a:rPr lang="en-US" baseline="0" dirty="0" smtClean="0"/>
+              <a:t>-Cast div measures are on the right. </a:t>
+            </a:r>
+          </a:p>
+          <a:p>
+            <a:endParaRPr lang="en-US" baseline="0" dirty="0" smtClean="0"/>
+          </a:p>
+          <a:p>
+            <a:r>
+              <a:rPr lang="en-US" dirty="0" smtClean="0"/>
+              <a:t>Given the simulations ---</a:t>
+            </a:r>
+          </a:p>
+          <a:p>
+            <a:r>
+              <a:rPr lang="en-US" dirty="0" smtClean="0"/>
+              <a:t>Females have significantly</a:t>
+            </a:r>
+            <a:r>
+              <a:rPr lang="en-US" baseline="0" dirty="0" smtClean="0"/>
+              <a:t> more polymorphism in CO number compared to the ‘polymorphism’ from a equal sized set of random mice.  The divergence of actual Dom – </a:t>
+            </a:r>
+            <a:r>
+              <a:rPr lang="en-US" baseline="0" dirty="0" err="1" smtClean="0"/>
+              <a:t>Musc</a:t>
+            </a:r>
+            <a:r>
+              <a:rPr lang="en-US" baseline="0" dirty="0" smtClean="0"/>
+              <a:t> means is not that different from the mean of the random pool and a </a:t>
+            </a:r>
+            <a:r>
+              <a:rPr lang="en-US" baseline="0" dirty="0" err="1" smtClean="0"/>
+              <a:t>subsp’s</a:t>
+            </a:r>
+            <a:r>
+              <a:rPr lang="en-US" baseline="0" dirty="0" smtClean="0"/>
+              <a:t> mean.</a:t>
+            </a:r>
+          </a:p>
+          <a:p>
+            <a:endParaRPr lang="en-US" baseline="0" dirty="0" smtClean="0"/>
+          </a:p>
+          <a:p>
+            <a:pPr marL="0" marR="0" lvl="0" indent="0" algn="l" defTabSz="914400" rtl="0" eaLnBrk="1" fontAlgn="auto" latinLnBrk="0" hangingPunct="1">
+              <a:lnSpc>
+                <a:spcPct val="100000"/>
+              </a:lnSpc>
+              <a:spcBef>
+                <a:spcPts val="0"/>
+              </a:spcBef>
+              <a:spcAft>
+                <a:spcPts val="0"/>
+              </a:spcAft>
+              <a:buClrTx/>
+              <a:buSzTx/>
+              <a:buFontTx/>
+              <a:buNone/>
+              <a:tabLst/>
+              <a:defRPr/>
+            </a:pPr>
+            <a:r>
+              <a:rPr lang="en-US" baseline="0" dirty="0" smtClean="0"/>
+              <a:t>Male patterns of variation, </a:t>
+            </a:r>
+          </a:p>
+          <a:p>
+            <a:pPr marL="0" marR="0" lvl="0" indent="0" algn="l" defTabSz="914400" rtl="0" eaLnBrk="1" fontAlgn="auto" latinLnBrk="0" hangingPunct="1">
+              <a:lnSpc>
+                <a:spcPct val="100000"/>
+              </a:lnSpc>
+              <a:spcBef>
+                <a:spcPts val="0"/>
+              </a:spcBef>
+              <a:spcAft>
+                <a:spcPts val="0"/>
+              </a:spcAft>
+              <a:buClrTx/>
+              <a:buSzTx/>
+              <a:buFontTx/>
+              <a:buNone/>
+              <a:tabLst/>
+              <a:defRPr/>
+            </a:pPr>
+            <a:r>
+              <a:rPr lang="en-US" baseline="0" dirty="0" smtClean="0"/>
+              <a:t>The amount of polymorphism of CO number in </a:t>
+            </a:r>
+            <a:r>
+              <a:rPr lang="en-US" baseline="0" dirty="0" err="1" smtClean="0"/>
+              <a:t>Musc</a:t>
+            </a:r>
+            <a:r>
+              <a:rPr lang="en-US" baseline="0" dirty="0" smtClean="0"/>
+              <a:t> and Dom, is very similar and slightly more significant than what would be </a:t>
+            </a:r>
+            <a:r>
+              <a:rPr lang="en-US" baseline="0" dirty="0" err="1" smtClean="0"/>
+              <a:t>calqluated</a:t>
+            </a:r>
+            <a:r>
+              <a:rPr lang="en-US" baseline="0" dirty="0" smtClean="0"/>
+              <a:t> from a set of random mice. </a:t>
+            </a:r>
+          </a:p>
+          <a:p>
+            <a:r>
+              <a:rPr lang="en-US" baseline="0" dirty="0" smtClean="0"/>
+              <a:t> The divergence from </a:t>
+            </a:r>
+          </a:p>
+          <a:p>
+            <a:endParaRPr lang="en-US" baseline="0" dirty="0" smtClean="0"/>
+          </a:p>
+          <a:p>
+            <a:endParaRPr lang="en-US" baseline="0" dirty="0" smtClean="0"/>
+          </a:p>
+          <a:p>
+            <a:endParaRPr lang="en-US" baseline="0" dirty="0" smtClean="0"/>
+          </a:p>
+          <a:p>
             <a:endParaRPr lang="en-US" dirty="0"/>
           </a:p>
         </p:txBody>
@@ -967,7 +1301,7 @@
     </p:spTree>
     <p:extLst>
       <p:ext uri="{BB962C8B-B14F-4D97-AF65-F5344CB8AC3E}">
-        <p14:creationId xmlns:p14="http://schemas.microsoft.com/office/powerpoint/2010/main" val="2240300622"/>
+        <p14:creationId xmlns:p14="http://schemas.microsoft.com/office/powerpoint/2010/main" val="1821770538"/>
       </p:ext>
     </p:extLst>
   </p:cSld>
@@ -1023,33 +1357,168 @@
           <a:p>
             <a:r>
               <a:rPr lang="en-US" dirty="0" smtClean="0"/>
-              <a:t>When simulated data are drawn from random female pool. Makes more sense that  </a:t>
-            </a:r>
-            <a:r>
-              <a:rPr lang="en-US" dirty="0" err="1" smtClean="0"/>
-              <a:t>calq</a:t>
+              <a:t>Made an important change to make sure I was plotting number</a:t>
             </a:r>
             <a:r>
               <a:rPr lang="en-US" baseline="0" dirty="0" smtClean="0"/>
-              <a:t> for randomized draws overlap. --- especially because they have the same sample size.</a:t>
-            </a:r>
-          </a:p>
-          <a:p>
+              <a:t>s not factors</a:t>
+            </a:r>
+            <a:endParaRPr lang="en-US" dirty="0" smtClean="0"/>
+          </a:p>
+          <a:p>
+            <a:endParaRPr lang="en-US" dirty="0" smtClean="0"/>
+          </a:p>
+          <a:p>
+            <a:r>
+              <a:rPr lang="en-US" dirty="0" smtClean="0"/>
+              <a:t>Added the Divergence points across</a:t>
+            </a:r>
             <a:r>
               <a:rPr lang="en-US" baseline="0" dirty="0" smtClean="0"/>
-              <a:t>I am 70% I calculated the observed values right…   but </a:t>
+              <a:t> all three subspecies in males, (Dom-Cast divergence in </a:t>
             </a:r>
             <a:r>
               <a:rPr lang="en-US" baseline="0" dirty="0" err="1" smtClean="0"/>
-              <a:t>dom</a:t>
+              <a:t>co_means</a:t>
             </a:r>
             <a:r>
               <a:rPr lang="en-US" baseline="0" dirty="0" smtClean="0"/>
-              <a:t> female SE seems very high…</a:t>
+              <a:t> is leftmost, and </a:t>
+            </a:r>
+            <a:r>
+              <a:rPr lang="en-US" baseline="0" dirty="0" err="1" smtClean="0"/>
+              <a:t>Musc</a:t>
+            </a:r>
+            <a:r>
+              <a:rPr lang="en-US" baseline="0" dirty="0" smtClean="0"/>
+              <a:t>-Dom, </a:t>
+            </a:r>
+            <a:r>
+              <a:rPr lang="en-US" baseline="0" dirty="0" err="1" smtClean="0"/>
+              <a:t>Musc</a:t>
+            </a:r>
+            <a:r>
+              <a:rPr lang="en-US" baseline="0" dirty="0" smtClean="0"/>
+              <a:t>-Cast div measures are on the right. </a:t>
             </a:r>
           </a:p>
           <a:p>
             <a:endParaRPr lang="en-US" baseline="0" dirty="0" smtClean="0"/>
+          </a:p>
+          <a:p>
+            <a:r>
+              <a:rPr lang="en-US" dirty="0" smtClean="0"/>
+              <a:t>Given the simulations ---</a:t>
+            </a:r>
+          </a:p>
+          <a:p>
+            <a:r>
+              <a:rPr lang="en-US" dirty="0" smtClean="0"/>
+              <a:t>Females have significantly</a:t>
+            </a:r>
+            <a:r>
+              <a:rPr lang="en-US" baseline="0" dirty="0" smtClean="0"/>
+              <a:t> more polymorphism in CO number compared to the ‘polymorphism’ from a equal sized set of random mice.  The divergence of actual Dom – </a:t>
+            </a:r>
+            <a:r>
+              <a:rPr lang="en-US" baseline="0" dirty="0" err="1" smtClean="0"/>
+              <a:t>Musc</a:t>
+            </a:r>
+            <a:r>
+              <a:rPr lang="en-US" baseline="0" dirty="0" smtClean="0"/>
+              <a:t> means is not that different from the mean of the random pool and a </a:t>
+            </a:r>
+            <a:r>
+              <a:rPr lang="en-US" baseline="0" dirty="0" err="1" smtClean="0"/>
+              <a:t>subsp’s</a:t>
+            </a:r>
+            <a:r>
+              <a:rPr lang="en-US" baseline="0" dirty="0" smtClean="0"/>
+              <a:t> mean.</a:t>
+            </a:r>
+          </a:p>
+          <a:p>
+            <a:endParaRPr lang="en-US" baseline="0" dirty="0" smtClean="0"/>
+          </a:p>
+          <a:p>
+            <a:pPr marL="0" marR="0" lvl="0" indent="0" algn="l" defTabSz="914400" rtl="0" eaLnBrk="1" fontAlgn="auto" latinLnBrk="0" hangingPunct="1">
+              <a:lnSpc>
+                <a:spcPct val="100000"/>
+              </a:lnSpc>
+              <a:spcBef>
+                <a:spcPts val="0"/>
+              </a:spcBef>
+              <a:spcAft>
+                <a:spcPts val="0"/>
+              </a:spcAft>
+              <a:buClrTx/>
+              <a:buSzTx/>
+              <a:buFontTx/>
+              <a:buNone/>
+              <a:tabLst/>
+              <a:defRPr/>
+            </a:pPr>
+            <a:r>
+              <a:rPr lang="en-US" baseline="0" dirty="0" smtClean="0"/>
+              <a:t>Male patterns of variation, </a:t>
+            </a:r>
+          </a:p>
+          <a:p>
+            <a:pPr marL="0" marR="0" lvl="0" indent="0" algn="l" defTabSz="914400" rtl="0" eaLnBrk="1" fontAlgn="auto" latinLnBrk="0" hangingPunct="1">
+              <a:lnSpc>
+                <a:spcPct val="100000"/>
+              </a:lnSpc>
+              <a:spcBef>
+                <a:spcPts val="0"/>
+              </a:spcBef>
+              <a:spcAft>
+                <a:spcPts val="0"/>
+              </a:spcAft>
+              <a:buClrTx/>
+              <a:buSzTx/>
+              <a:buFontTx/>
+              <a:buNone/>
+              <a:tabLst/>
+              <a:defRPr/>
+            </a:pPr>
+            <a:r>
+              <a:rPr lang="en-US" baseline="0" dirty="0" smtClean="0"/>
+              <a:t>The amount of polymorphism of CO number in </a:t>
+            </a:r>
+            <a:r>
+              <a:rPr lang="en-US" baseline="0" dirty="0" err="1" smtClean="0"/>
+              <a:t>Musc</a:t>
+            </a:r>
+            <a:r>
+              <a:rPr lang="en-US" baseline="0" dirty="0" smtClean="0"/>
+              <a:t> and Dom, is very similar and slightly more significant than what would be </a:t>
+            </a:r>
+            <a:r>
+              <a:rPr lang="en-US" baseline="0" dirty="0" err="1" smtClean="0"/>
+              <a:t>calqluated</a:t>
+            </a:r>
+            <a:r>
+              <a:rPr lang="en-US" baseline="0" dirty="0" smtClean="0"/>
+              <a:t> from a set of random mice. </a:t>
+            </a:r>
+          </a:p>
+          <a:p>
+            <a:r>
+              <a:rPr lang="en-US" baseline="0" dirty="0" smtClean="0"/>
+              <a:t> The divergence from </a:t>
+            </a:r>
+          </a:p>
+          <a:p>
+            <a:endParaRPr lang="en-US" baseline="0" dirty="0" smtClean="0"/>
+          </a:p>
+          <a:p>
+            <a:endParaRPr lang="en-US" baseline="0" dirty="0" smtClean="0"/>
+          </a:p>
+          <a:p>
+            <a:endParaRPr lang="en-US" baseline="0" dirty="0" smtClean="0"/>
+          </a:p>
+          <a:p>
+            <a:endParaRPr lang="en-US" dirty="0" smtClean="0"/>
           </a:p>
           <a:p>
             <a:endParaRPr lang="en-US" dirty="0"/>
@@ -1082,7 +1551,7 @@
     </p:spTree>
     <p:extLst>
       <p:ext uri="{BB962C8B-B14F-4D97-AF65-F5344CB8AC3E}">
-        <p14:creationId xmlns:p14="http://schemas.microsoft.com/office/powerpoint/2010/main" val="3237514733"/>
+        <p14:creationId xmlns:p14="http://schemas.microsoft.com/office/powerpoint/2010/main" val="1911025234"/>
       </p:ext>
     </p:extLst>
   </p:cSld>
@@ -1138,23 +1607,47 @@
           <a:p>
             <a:r>
               <a:rPr lang="en-US" dirty="0" smtClean="0"/>
-              <a:t>Fewer </a:t>
-            </a:r>
-            <a:r>
-              <a:rPr lang="en-US" dirty="0" err="1" smtClean="0"/>
-              <a:t>musc</a:t>
-            </a:r>
-            <a:r>
-              <a:rPr lang="en-US" dirty="0" smtClean="0"/>
-              <a:t> male</a:t>
+              <a:t>Adjusted the calculation</a:t>
             </a:r>
             <a:r>
               <a:rPr lang="en-US" baseline="0" dirty="0" smtClean="0"/>
-              <a:t> mice</a:t>
-            </a:r>
-            <a:r>
-              <a:rPr lang="en-US" dirty="0" smtClean="0"/>
-              <a:t> could explain the lower polymorphism </a:t>
+              <a:t> for </a:t>
+            </a:r>
+            <a:r>
+              <a:rPr lang="en-US" baseline="0" dirty="0" err="1" smtClean="0"/>
+              <a:t>Div</a:t>
+            </a:r>
+            <a:r>
+              <a:rPr lang="en-US" baseline="0" dirty="0" smtClean="0"/>
+              <a:t> </a:t>
+            </a:r>
+            <a:endParaRPr lang="en-US" baseline="0" dirty="0" smtClean="0"/>
+          </a:p>
+          <a:p>
+            <a:endParaRPr lang="en-US" baseline="0" dirty="0" smtClean="0"/>
+          </a:p>
+          <a:p>
+            <a:r>
+              <a:rPr lang="en-US" baseline="0" dirty="0" smtClean="0"/>
+              <a:t>Male HM CO measures/ distributions have less polymorphism than a randomized male distribution</a:t>
+            </a:r>
+          </a:p>
+          <a:p>
+            <a:r>
+              <a:rPr lang="en-US" baseline="0" dirty="0" smtClean="0"/>
+              <a:t>Female HM CO </a:t>
+            </a:r>
+            <a:r>
+              <a:rPr lang="en-US" baseline="0" dirty="0" err="1" smtClean="0"/>
+              <a:t>meansres</a:t>
+            </a:r>
+            <a:r>
+              <a:rPr lang="en-US" baseline="0" dirty="0" smtClean="0"/>
+              <a:t> have more polymorphism than a randomized </a:t>
+            </a:r>
+            <a:r>
+              <a:rPr lang="en-US" baseline="0" smtClean="0"/>
+              <a:t>male distribution</a:t>
             </a:r>
             <a:endParaRPr lang="en-US" dirty="0"/>
           </a:p>
@@ -1177,7 +1670,7 @@
           <a:p>
             <a:fld id="{BCAD7939-502B-4402-A693-10FC1B22F625}" type="slidenum">
               <a:rPr lang="en-US" smtClean="0"/>
-              <a:t>9</a:t>
+              <a:t>8</a:t>
             </a:fld>
             <a:endParaRPr lang="en-US"/>
           </a:p>
@@ -1186,7 +1679,7 @@
     </p:spTree>
     <p:extLst>
       <p:ext uri="{BB962C8B-B14F-4D97-AF65-F5344CB8AC3E}">
-        <p14:creationId xmlns:p14="http://schemas.microsoft.com/office/powerpoint/2010/main" val="770873149"/>
+        <p14:creationId xmlns:p14="http://schemas.microsoft.com/office/powerpoint/2010/main" val="19369513"/>
       </p:ext>
     </p:extLst>
   </p:cSld>
@@ -1261,7 +1754,7 @@
           <a:p>
             <a:fld id="{BCAD7939-502B-4402-A693-10FC1B22F625}" type="slidenum">
               <a:rPr lang="en-US" smtClean="0"/>
-              <a:t>10</a:t>
+              <a:t>9</a:t>
             </a:fld>
             <a:endParaRPr lang="en-US"/>
           </a:p>
@@ -1270,7 +1763,7 @@
     </p:spTree>
     <p:extLst>
       <p:ext uri="{BB962C8B-B14F-4D97-AF65-F5344CB8AC3E}">
-        <p14:creationId xmlns:p14="http://schemas.microsoft.com/office/powerpoint/2010/main" val="206710662"/>
+        <p14:creationId xmlns:p14="http://schemas.microsoft.com/office/powerpoint/2010/main" val="2240300622"/>
       </p:ext>
     </p:extLst>
   </p:cSld>
@@ -1324,6 +1817,141 @@
           <a:bodyPr/>
           <a:lstStyle/>
           <a:p>
+            <a:r>
+              <a:rPr lang="en-US" dirty="0" smtClean="0"/>
+              <a:t>When simulated data are drawn from random female pool. Makes more sense that  </a:t>
+            </a:r>
+            <a:r>
+              <a:rPr lang="en-US" dirty="0" err="1" smtClean="0"/>
+              <a:t>calq</a:t>
+            </a:r>
+            <a:r>
+              <a:rPr lang="en-US" baseline="0" dirty="0" smtClean="0"/>
+              <a:t> for randomized draws overlap. --- especially because they have the same sample size.</a:t>
+            </a:r>
+          </a:p>
+          <a:p>
+            <a:r>
+              <a:rPr lang="en-US" baseline="0" dirty="0" smtClean="0"/>
+              <a:t>I am 70% I calculated the observed values right…   but </a:t>
+            </a:r>
+            <a:r>
+              <a:rPr lang="en-US" baseline="0" dirty="0" err="1" smtClean="0"/>
+              <a:t>dom</a:t>
+            </a:r>
+            <a:r>
+              <a:rPr lang="en-US" baseline="0" dirty="0" smtClean="0"/>
+              <a:t> female SE seems very high…</a:t>
+            </a:r>
+          </a:p>
+          <a:p>
+            <a:endParaRPr lang="en-US" baseline="0" dirty="0" smtClean="0"/>
+          </a:p>
+          <a:p>
+            <a:endParaRPr lang="en-US" dirty="0"/>
+          </a:p>
+        </p:txBody>
+      </p:sp>
+      <p:sp>
+        <p:nvSpPr>
+          <p:cNvPr id="4" name="Slide Number Placeholder 3"/>
+          <p:cNvSpPr>
+            <a:spLocks noGrp="1"/>
+          </p:cNvSpPr>
+          <p:nvPr>
+            <p:ph type="sldNum" sz="quarter" idx="10"/>
+          </p:nvPr>
+        </p:nvSpPr>
+        <p:spPr/>
+        <p:txBody>
+          <a:bodyPr/>
+          <a:lstStyle/>
+          <a:p>
+            <a:fld id="{BCAD7939-502B-4402-A693-10FC1B22F625}" type="slidenum">
+              <a:rPr lang="en-US" smtClean="0"/>
+              <a:t>10</a:t>
+            </a:fld>
+            <a:endParaRPr lang="en-US"/>
+          </a:p>
+        </p:txBody>
+      </p:sp>
+    </p:spTree>
+    <p:extLst>
+      <p:ext uri="{BB962C8B-B14F-4D97-AF65-F5344CB8AC3E}">
+        <p14:creationId xmlns:p14="http://schemas.microsoft.com/office/powerpoint/2010/main" val="3237514733"/>
+      </p:ext>
+    </p:extLst>
+  </p:cSld>
+  <p:clrMapOvr>
+    <a:masterClrMapping/>
+  </p:clrMapOvr>
+</p:notes>
+</file>
+
+<file path=ppt/notesSlides/notesSlide9.xml><?xml version="1.0" encoding="utf-8"?>
+<p:notes xmlns:a="http://schemas.openxmlformats.org/drawingml/2006/main" xmlns:r="http://schemas.openxmlformats.org/officeDocument/2006/relationships" xmlns:p="http://schemas.openxmlformats.org/presentationml/2006/main">
+  <p:cSld>
+    <p:spTree>
+      <p:nvGrpSpPr>
+        <p:cNvPr id="1" name=""/>
+        <p:cNvGrpSpPr/>
+        <p:nvPr/>
+      </p:nvGrpSpPr>
+      <p:grpSpPr>
+        <a:xfrm>
+          <a:off x="0" y="0"/>
+          <a:ext cx="0" cy="0"/>
+          <a:chOff x="0" y="0"/>
+          <a:chExt cx="0" cy="0"/>
+        </a:xfrm>
+      </p:grpSpPr>
+      <p:sp>
+        <p:nvSpPr>
+          <p:cNvPr id="2" name="Slide Image Placeholder 1"/>
+          <p:cNvSpPr>
+            <a:spLocks noGrp="1" noRot="1" noChangeAspect="1"/>
+          </p:cNvSpPr>
+          <p:nvPr>
+            <p:ph type="sldImg"/>
+          </p:nvPr>
+        </p:nvSpPr>
+        <p:spPr/>
+      </p:sp>
+      <p:sp>
+        <p:nvSpPr>
+          <p:cNvPr id="3" name="Notes Placeholder 2"/>
+          <p:cNvSpPr>
+            <a:spLocks noGrp="1"/>
+          </p:cNvSpPr>
+          <p:nvPr>
+            <p:ph type="body" idx="1"/>
+          </p:nvPr>
+        </p:nvSpPr>
+        <p:spPr/>
+        <p:txBody>
+          <a:bodyPr/>
+          <a:lstStyle/>
+          <a:p>
+            <a:r>
+              <a:rPr lang="en-US" dirty="0" smtClean="0"/>
+              <a:t>Fewer </a:t>
+            </a:r>
+            <a:r>
+              <a:rPr lang="en-US" dirty="0" err="1" smtClean="0"/>
+              <a:t>musc</a:t>
+            </a:r>
+            <a:r>
+              <a:rPr lang="en-US" dirty="0" smtClean="0"/>
+              <a:t> male</a:t>
+            </a:r>
+            <a:r>
+              <a:rPr lang="en-US" baseline="0" dirty="0" smtClean="0"/>
+              <a:t> mice</a:t>
+            </a:r>
+            <a:r>
+              <a:rPr lang="en-US" dirty="0" smtClean="0"/>
+              <a:t> could explain the lower polymorphism </a:t>
+            </a:r>
             <a:endParaRPr lang="en-US" dirty="0"/>
           </a:p>
         </p:txBody>
@@ -1354,7 +1982,7 @@
     </p:spTree>
     <p:extLst>
       <p:ext uri="{BB962C8B-B14F-4D97-AF65-F5344CB8AC3E}">
-        <p14:creationId xmlns:p14="http://schemas.microsoft.com/office/powerpoint/2010/main" val="3536313739"/>
+        <p14:creationId xmlns:p14="http://schemas.microsoft.com/office/powerpoint/2010/main" val="770873149"/>
       </p:ext>
     </p:extLst>
   </p:cSld>
@@ -1610,7 +2238,7 @@
             <a:fld id="{B61BEF0D-F0BB-DE4B-95CE-6DB70DBA9567}" type="datetimeFigureOut">
               <a:rPr lang="en-US" dirty="0"/>
               <a:pPr/>
-              <a:t>11/15/2017</a:t>
+              <a:t>11/17/2017</a:t>
             </a:fld>
             <a:endParaRPr lang="en-US" dirty="0"/>
           </a:p>
@@ -1869,7 +2497,7 @@
             <a:fld id="{B61BEF0D-F0BB-DE4B-95CE-6DB70DBA9567}" type="datetimeFigureOut">
               <a:rPr lang="en-US" dirty="0"/>
               <a:pPr/>
-              <a:t>11/15/2017</a:t>
+              <a:t>11/17/2017</a:t>
             </a:fld>
             <a:endParaRPr lang="en-US" dirty="0"/>
           </a:p>
@@ -2101,7 +2729,7 @@
             <a:fld id="{B61BEF0D-F0BB-DE4B-95CE-6DB70DBA9567}" type="datetimeFigureOut">
               <a:rPr lang="en-US" dirty="0"/>
               <a:pPr/>
-              <a:t>11/15/2017</a:t>
+              <a:t>11/17/2017</a:t>
             </a:fld>
             <a:endParaRPr lang="en-US" dirty="0"/>
           </a:p>
@@ -2338,7 +2966,7 @@
             <a:fld id="{B61BEF0D-F0BB-DE4B-95CE-6DB70DBA9567}" type="datetimeFigureOut">
               <a:rPr lang="en-US" dirty="0"/>
               <a:pPr/>
-              <a:t>11/15/2017</a:t>
+              <a:t>11/17/2017</a:t>
             </a:fld>
             <a:endParaRPr lang="en-US" dirty="0"/>
           </a:p>
@@ -2642,7 +3270,7 @@
             <a:fld id="{B61BEF0D-F0BB-DE4B-95CE-6DB70DBA9567}" type="datetimeFigureOut">
               <a:rPr lang="en-US" dirty="0"/>
               <a:pPr/>
-              <a:t>11/15/2017</a:t>
+              <a:t>11/17/2017</a:t>
             </a:fld>
             <a:endParaRPr lang="en-US" dirty="0"/>
           </a:p>
@@ -2941,7 +3569,7 @@
             <a:fld id="{B61BEF0D-F0BB-DE4B-95CE-6DB70DBA9567}" type="datetimeFigureOut">
               <a:rPr lang="en-US" dirty="0"/>
               <a:pPr/>
-              <a:t>11/15/2017</a:t>
+              <a:t>11/17/2017</a:t>
             </a:fld>
             <a:endParaRPr lang="en-US" dirty="0"/>
           </a:p>
@@ -3360,7 +3988,7 @@
             <a:fld id="{B61BEF0D-F0BB-DE4B-95CE-6DB70DBA9567}" type="datetimeFigureOut">
               <a:rPr lang="en-US" dirty="0"/>
               <a:pPr/>
-              <a:t>11/15/2017</a:t>
+              <a:t>11/17/2017</a:t>
             </a:fld>
             <a:endParaRPr lang="en-US" dirty="0"/>
           </a:p>
@@ -3519,7 +4147,7 @@
             <a:fld id="{B61BEF0D-F0BB-DE4B-95CE-6DB70DBA9567}" type="datetimeFigureOut">
               <a:rPr lang="en-US" dirty="0"/>
               <a:pPr/>
-              <a:t>11/15/2017</a:t>
+              <a:t>11/17/2017</a:t>
             </a:fld>
             <a:endParaRPr lang="en-US" dirty="0"/>
           </a:p>
@@ -3611,7 +4239,7 @@
             <a:fld id="{B61BEF0D-F0BB-DE4B-95CE-6DB70DBA9567}" type="datetimeFigureOut">
               <a:rPr lang="en-US" dirty="0"/>
               <a:pPr/>
-              <a:t>11/15/2017</a:t>
+              <a:t>11/17/2017</a:t>
             </a:fld>
             <a:endParaRPr lang="en-US" dirty="0"/>
           </a:p>
@@ -3986,7 +4614,7 @@
             <a:fld id="{B61BEF0D-F0BB-DE4B-95CE-6DB70DBA9567}" type="datetimeFigureOut">
               <a:rPr lang="en-US" dirty="0"/>
               <a:pPr/>
-              <a:t>11/15/2017</a:t>
+              <a:t>11/17/2017</a:t>
             </a:fld>
             <a:endParaRPr lang="en-US" dirty="0"/>
           </a:p>
@@ -4272,7 +4900,7 @@
             <a:fld id="{B61BEF0D-F0BB-DE4B-95CE-6DB70DBA9567}" type="datetimeFigureOut">
               <a:rPr lang="en-US" dirty="0"/>
               <a:pPr/>
-              <a:t>11/15/2017</a:t>
+              <a:t>11/17/2017</a:t>
             </a:fld>
             <a:endParaRPr lang="en-US" dirty="0"/>
           </a:p>
@@ -4480,7 +5108,7 @@
             <a:fld id="{B61BEF0D-F0BB-DE4B-95CE-6DB70DBA9567}" type="datetimeFigureOut">
               <a:rPr lang="en-US" dirty="0"/>
               <a:pPr/>
-              <a:t>11/15/2017</a:t>
+              <a:t>11/17/2017</a:t>
             </a:fld>
             <a:endParaRPr lang="en-US" dirty="0"/>
           </a:p>
@@ -5199,198 +5827,62 @@
           <a:bodyPr/>
           <a:lstStyle/>
           <a:p>
-            <a:r>
-              <a:rPr lang="en-US" dirty="0" smtClean="0"/>
-              <a:t>(Effects of changing the number of strains in each </a:t>
-            </a:r>
-            <a:r>
-              <a:rPr lang="en-US" dirty="0" err="1" smtClean="0"/>
-              <a:t>subsps</a:t>
-            </a:r>
-            <a:r>
-              <a:rPr lang="en-US" dirty="0" smtClean="0"/>
-              <a:t>)</a:t>
-            </a:r>
-            <a:endParaRPr lang="en-US" dirty="0"/>
-          </a:p>
-        </p:txBody>
-      </p:sp>
-      <p:sp>
-        <p:nvSpPr>
-          <p:cNvPr id="3" name="Rectangle 2"/>
-          <p:cNvSpPr/>
+            <a:endParaRPr lang="en-US"/>
+          </a:p>
+        </p:txBody>
+      </p:sp>
+      <p:pic>
+        <p:nvPicPr>
+          <p:cNvPr id="3" name="Picture 2"/>
+          <p:cNvPicPr>
+            <a:picLocks noChangeAspect="1"/>
+          </p:cNvPicPr>
           <p:nvPr/>
-        </p:nvSpPr>
-        <p:spPr>
-          <a:xfrm>
-            <a:off x="575894" y="2023375"/>
-            <a:ext cx="3213463" cy="2325189"/>
+        </p:nvPicPr>
+        <p:blipFill>
+          <a:blip r:embed="rId3"/>
+          <a:stretch>
+            <a:fillRect/>
+          </a:stretch>
+        </p:blipFill>
+        <p:spPr>
+          <a:xfrm>
+            <a:off x="-961076" y="581749"/>
+            <a:ext cx="7757305" cy="5694501"/>
           </a:xfrm>
           <a:prstGeom prst="rect">
             <a:avLst/>
           </a:prstGeom>
         </p:spPr>
-        <p:style>
-          <a:lnRef idx="2">
-            <a:schemeClr val="accent1">
-              <a:shade val="50000"/>
-            </a:schemeClr>
-          </a:lnRef>
-          <a:fillRef idx="1">
-            <a:schemeClr val="accent1"/>
-          </a:fillRef>
-          <a:effectRef idx="0">
-            <a:schemeClr val="accent1"/>
-          </a:effectRef>
-          <a:fontRef idx="minor">
-            <a:schemeClr val="lt1"/>
-          </a:fontRef>
-        </p:style>
-        <p:txBody>
-          <a:bodyPr rtlCol="0" anchor="ctr"/>
-          <a:lstStyle/>
-          <a:p>
-            <a:pPr algn="ctr"/>
-            <a:endParaRPr lang="en-US"/>
-          </a:p>
-        </p:txBody>
-      </p:sp>
-      <p:sp>
-        <p:nvSpPr>
-          <p:cNvPr id="4" name="TextBox 3"/>
-          <p:cNvSpPr txBox="1"/>
+      </p:pic>
+      <p:pic>
+        <p:nvPicPr>
+          <p:cNvPr id="4" name="Picture 3"/>
+          <p:cNvPicPr>
+            <a:picLocks noChangeAspect="1"/>
+          </p:cNvPicPr>
           <p:nvPr/>
-        </p:nvSpPr>
-        <p:spPr>
-          <a:xfrm>
-            <a:off x="1358537" y="4676503"/>
-            <a:ext cx="3056709" cy="369332"/>
+        </p:nvPicPr>
+        <p:blipFill>
+          <a:blip r:embed="rId4"/>
+          <a:stretch>
+            <a:fillRect/>
+          </a:stretch>
+        </p:blipFill>
+        <p:spPr>
+          <a:xfrm>
+            <a:off x="4587061" y="924211"/>
+            <a:ext cx="7492276" cy="5499948"/>
           </a:xfrm>
           <a:prstGeom prst="rect">
             <a:avLst/>
           </a:prstGeom>
-          <a:noFill/>
-        </p:spPr>
-        <p:txBody>
-          <a:bodyPr wrap="square" rtlCol="0">
-            <a:spAutoFit/>
-          </a:bodyPr>
-          <a:lstStyle/>
-          <a:p>
-            <a:r>
-              <a:rPr lang="en-US" dirty="0" err="1" smtClean="0"/>
-              <a:t>Doms</a:t>
-            </a:r>
-            <a:r>
-              <a:rPr lang="en-US" dirty="0" smtClean="0"/>
-              <a:t> with G-Lew</a:t>
-            </a:r>
-            <a:endParaRPr lang="en-US" dirty="0"/>
-          </a:p>
-        </p:txBody>
-      </p:sp>
-      <p:sp>
-        <p:nvSpPr>
-          <p:cNvPr id="5" name="TextBox 4"/>
-          <p:cNvSpPr txBox="1"/>
-          <p:nvPr/>
-        </p:nvSpPr>
-        <p:spPr>
-          <a:xfrm>
-            <a:off x="4750526" y="4676503"/>
-            <a:ext cx="3056709" cy="369332"/>
-          </a:xfrm>
-          <a:prstGeom prst="rect">
-            <a:avLst/>
-          </a:prstGeom>
-          <a:noFill/>
-        </p:spPr>
-        <p:txBody>
-          <a:bodyPr wrap="square" rtlCol="0">
-            <a:spAutoFit/>
-          </a:bodyPr>
-          <a:lstStyle/>
-          <a:p>
-            <a:r>
-              <a:rPr lang="en-US" dirty="0" err="1" smtClean="0"/>
-              <a:t>Doms</a:t>
-            </a:r>
-            <a:r>
-              <a:rPr lang="en-US" dirty="0" smtClean="0"/>
-              <a:t> with Lew-WSB</a:t>
-            </a:r>
-            <a:endParaRPr lang="en-US" dirty="0"/>
-          </a:p>
-        </p:txBody>
-      </p:sp>
-      <p:sp>
-        <p:nvSpPr>
-          <p:cNvPr id="6" name="TextBox 5"/>
-          <p:cNvSpPr txBox="1"/>
-          <p:nvPr/>
-        </p:nvSpPr>
-        <p:spPr>
-          <a:xfrm>
-            <a:off x="8548801" y="4653949"/>
-            <a:ext cx="3056709" cy="369332"/>
-          </a:xfrm>
-          <a:prstGeom prst="rect">
-            <a:avLst/>
-          </a:prstGeom>
-          <a:noFill/>
-        </p:spPr>
-        <p:txBody>
-          <a:bodyPr wrap="square" rtlCol="0">
-            <a:spAutoFit/>
-          </a:bodyPr>
-          <a:lstStyle/>
-          <a:p>
-            <a:r>
-              <a:rPr lang="en-US" dirty="0" err="1" smtClean="0"/>
-              <a:t>Doms</a:t>
-            </a:r>
-            <a:r>
-              <a:rPr lang="en-US" dirty="0" smtClean="0"/>
-              <a:t> with WSB-Lew</a:t>
-            </a:r>
-            <a:endParaRPr lang="en-US" dirty="0"/>
-          </a:p>
-        </p:txBody>
-      </p:sp>
-      <p:sp>
-        <p:nvSpPr>
-          <p:cNvPr id="7" name="TextBox 6"/>
-          <p:cNvSpPr txBox="1"/>
-          <p:nvPr/>
-        </p:nvSpPr>
-        <p:spPr>
-          <a:xfrm>
-            <a:off x="966651" y="5434149"/>
-            <a:ext cx="5852160" cy="369332"/>
-          </a:xfrm>
-          <a:prstGeom prst="rect">
-            <a:avLst/>
-          </a:prstGeom>
-          <a:noFill/>
-        </p:spPr>
-        <p:txBody>
-          <a:bodyPr wrap="square" rtlCol="0">
-            <a:spAutoFit/>
-          </a:bodyPr>
-          <a:lstStyle/>
-          <a:p>
-            <a:r>
-              <a:rPr lang="en-US" dirty="0" smtClean="0"/>
-              <a:t>Make sure to change the number of observations</a:t>
-            </a:r>
-            <a:endParaRPr lang="en-US" dirty="0"/>
-          </a:p>
-        </p:txBody>
-      </p:sp>
+        </p:spPr>
+      </p:pic>
     </p:spTree>
     <p:extLst>
       <p:ext uri="{BB962C8B-B14F-4D97-AF65-F5344CB8AC3E}">
-        <p14:creationId xmlns:p14="http://schemas.microsoft.com/office/powerpoint/2010/main" val="1738551144"/>
+        <p14:creationId xmlns:p14="http://schemas.microsoft.com/office/powerpoint/2010/main" val="2383496507"/>
       </p:ext>
     </p:extLst>
   </p:cSld>
@@ -5436,6 +5928,433 @@
           </a:p>
         </p:txBody>
       </p:sp>
+      <p:pic>
+        <p:nvPicPr>
+          <p:cNvPr id="4" name="Picture 3"/>
+          <p:cNvPicPr>
+            <a:picLocks noChangeAspect="1"/>
+          </p:cNvPicPr>
+          <p:nvPr/>
+        </p:nvPicPr>
+        <p:blipFill>
+          <a:blip r:embed="rId2"/>
+          <a:stretch>
+            <a:fillRect/>
+          </a:stretch>
+        </p:blipFill>
+        <p:spPr>
+          <a:xfrm>
+            <a:off x="-1580551" y="611388"/>
+            <a:ext cx="7676551" cy="5635221"/>
+          </a:xfrm>
+          <a:prstGeom prst="rect">
+            <a:avLst/>
+          </a:prstGeom>
+        </p:spPr>
+      </p:pic>
+      <p:pic>
+        <p:nvPicPr>
+          <p:cNvPr id="5" name="Picture 4"/>
+          <p:cNvPicPr>
+            <a:picLocks noChangeAspect="1"/>
+          </p:cNvPicPr>
+          <p:nvPr/>
+        </p:nvPicPr>
+        <p:blipFill>
+          <a:blip r:embed="rId3"/>
+          <a:stretch>
+            <a:fillRect/>
+          </a:stretch>
+        </p:blipFill>
+        <p:spPr>
+          <a:xfrm>
+            <a:off x="4236881" y="366514"/>
+            <a:ext cx="8343705" cy="6124967"/>
+          </a:xfrm>
+          <a:prstGeom prst="rect">
+            <a:avLst/>
+          </a:prstGeom>
+        </p:spPr>
+      </p:pic>
+    </p:spTree>
+    <p:extLst>
+      <p:ext uri="{BB962C8B-B14F-4D97-AF65-F5344CB8AC3E}">
+        <p14:creationId xmlns:p14="http://schemas.microsoft.com/office/powerpoint/2010/main" val="3698786493"/>
+      </p:ext>
+    </p:extLst>
+  </p:cSld>
+  <p:clrMapOvr>
+    <a:masterClrMapping/>
+  </p:clrMapOvr>
+</p:sld>
+</file>
+
+<file path=ppt/slides/slide12.xml><?xml version="1.0" encoding="utf-8"?>
+<p:sld xmlns:a="http://schemas.openxmlformats.org/drawingml/2006/main" xmlns:r="http://schemas.openxmlformats.org/officeDocument/2006/relationships" xmlns:p="http://schemas.openxmlformats.org/presentationml/2006/main">
+  <p:cSld>
+    <p:spTree>
+      <p:nvGrpSpPr>
+        <p:cNvPr id="1" name=""/>
+        <p:cNvGrpSpPr/>
+        <p:nvPr/>
+      </p:nvGrpSpPr>
+      <p:grpSpPr>
+        <a:xfrm>
+          <a:off x="0" y="0"/>
+          <a:ext cx="0" cy="0"/>
+          <a:chOff x="0" y="0"/>
+          <a:chExt cx="0" cy="0"/>
+        </a:xfrm>
+      </p:grpSpPr>
+      <p:sp>
+        <p:nvSpPr>
+          <p:cNvPr id="2" name="Title 1"/>
+          <p:cNvSpPr>
+            <a:spLocks noGrp="1"/>
+          </p:cNvSpPr>
+          <p:nvPr>
+            <p:ph type="title"/>
+          </p:nvPr>
+        </p:nvSpPr>
+        <p:spPr/>
+        <p:txBody>
+          <a:bodyPr/>
+          <a:lstStyle/>
+          <a:p>
+            <a:endParaRPr lang="en-US"/>
+          </a:p>
+        </p:txBody>
+      </p:sp>
+      <p:pic>
+        <p:nvPicPr>
+          <p:cNvPr id="3" name="Picture 2"/>
+          <p:cNvPicPr>
+            <a:picLocks noChangeAspect="1"/>
+          </p:cNvPicPr>
+          <p:nvPr/>
+        </p:nvPicPr>
+        <p:blipFill>
+          <a:blip r:embed="rId3"/>
+          <a:stretch>
+            <a:fillRect/>
+          </a:stretch>
+        </p:blipFill>
+        <p:spPr>
+          <a:xfrm>
+            <a:off x="4235168" y="43721"/>
+            <a:ext cx="9282717" cy="6814279"/>
+          </a:xfrm>
+          <a:prstGeom prst="rect">
+            <a:avLst/>
+          </a:prstGeom>
+        </p:spPr>
+      </p:pic>
+      <p:pic>
+        <p:nvPicPr>
+          <p:cNvPr id="4" name="Picture 3"/>
+          <p:cNvPicPr>
+            <a:picLocks noChangeAspect="1"/>
+          </p:cNvPicPr>
+          <p:nvPr/>
+        </p:nvPicPr>
+        <p:blipFill>
+          <a:blip r:embed="rId4"/>
+          <a:stretch>
+            <a:fillRect/>
+          </a:stretch>
+        </p:blipFill>
+        <p:spPr>
+          <a:xfrm>
+            <a:off x="1052045" y="-3843802"/>
+            <a:ext cx="9473937" cy="6954650"/>
+          </a:xfrm>
+          <a:prstGeom prst="rect">
+            <a:avLst/>
+          </a:prstGeom>
+        </p:spPr>
+      </p:pic>
+    </p:spTree>
+    <p:extLst>
+      <p:ext uri="{BB962C8B-B14F-4D97-AF65-F5344CB8AC3E}">
+        <p14:creationId xmlns:p14="http://schemas.microsoft.com/office/powerpoint/2010/main" val="963742143"/>
+      </p:ext>
+    </p:extLst>
+  </p:cSld>
+  <p:clrMapOvr>
+    <a:masterClrMapping/>
+  </p:clrMapOvr>
+</p:sld>
+</file>
+
+<file path=ppt/slides/slide13.xml><?xml version="1.0" encoding="utf-8"?>
+<p:sld xmlns:a="http://schemas.openxmlformats.org/drawingml/2006/main" xmlns:r="http://schemas.openxmlformats.org/officeDocument/2006/relationships" xmlns:p="http://schemas.openxmlformats.org/presentationml/2006/main">
+  <p:cSld>
+    <p:spTree>
+      <p:nvGrpSpPr>
+        <p:cNvPr id="1" name=""/>
+        <p:cNvGrpSpPr/>
+        <p:nvPr/>
+      </p:nvGrpSpPr>
+      <p:grpSpPr>
+        <a:xfrm>
+          <a:off x="0" y="0"/>
+          <a:ext cx="0" cy="0"/>
+          <a:chOff x="0" y="0"/>
+          <a:chExt cx="0" cy="0"/>
+        </a:xfrm>
+      </p:grpSpPr>
+      <p:sp>
+        <p:nvSpPr>
+          <p:cNvPr id="2" name="Title 1"/>
+          <p:cNvSpPr>
+            <a:spLocks noGrp="1"/>
+          </p:cNvSpPr>
+          <p:nvPr>
+            <p:ph type="title"/>
+          </p:nvPr>
+        </p:nvSpPr>
+        <p:spPr/>
+        <p:txBody>
+          <a:bodyPr/>
+          <a:lstStyle/>
+          <a:p>
+            <a:r>
+              <a:rPr lang="en-US" dirty="0" smtClean="0"/>
+              <a:t>(Effects of changing the number of strains in each </a:t>
+            </a:r>
+            <a:r>
+              <a:rPr lang="en-US" dirty="0" err="1" smtClean="0"/>
+              <a:t>subsps</a:t>
+            </a:r>
+            <a:r>
+              <a:rPr lang="en-US" dirty="0" smtClean="0"/>
+              <a:t>)</a:t>
+            </a:r>
+            <a:endParaRPr lang="en-US" dirty="0"/>
+          </a:p>
+        </p:txBody>
+      </p:sp>
+      <p:sp>
+        <p:nvSpPr>
+          <p:cNvPr id="3" name="Rectangle 2"/>
+          <p:cNvSpPr/>
+          <p:nvPr/>
+        </p:nvSpPr>
+        <p:spPr>
+          <a:xfrm>
+            <a:off x="575894" y="2023375"/>
+            <a:ext cx="3213463" cy="2325189"/>
+          </a:xfrm>
+          <a:prstGeom prst="rect">
+            <a:avLst/>
+          </a:prstGeom>
+        </p:spPr>
+        <p:style>
+          <a:lnRef idx="2">
+            <a:schemeClr val="accent1">
+              <a:shade val="50000"/>
+            </a:schemeClr>
+          </a:lnRef>
+          <a:fillRef idx="1">
+            <a:schemeClr val="accent1"/>
+          </a:fillRef>
+          <a:effectRef idx="0">
+            <a:schemeClr val="accent1"/>
+          </a:effectRef>
+          <a:fontRef idx="minor">
+            <a:schemeClr val="lt1"/>
+          </a:fontRef>
+        </p:style>
+        <p:txBody>
+          <a:bodyPr rtlCol="0" anchor="ctr"/>
+          <a:lstStyle/>
+          <a:p>
+            <a:pPr algn="ctr"/>
+            <a:endParaRPr lang="en-US"/>
+          </a:p>
+        </p:txBody>
+      </p:sp>
+      <p:sp>
+        <p:nvSpPr>
+          <p:cNvPr id="4" name="TextBox 3"/>
+          <p:cNvSpPr txBox="1"/>
+          <p:nvPr/>
+        </p:nvSpPr>
+        <p:spPr>
+          <a:xfrm>
+            <a:off x="1358537" y="4676503"/>
+            <a:ext cx="3056709" cy="369332"/>
+          </a:xfrm>
+          <a:prstGeom prst="rect">
+            <a:avLst/>
+          </a:prstGeom>
+          <a:noFill/>
+        </p:spPr>
+        <p:txBody>
+          <a:bodyPr wrap="square" rtlCol="0">
+            <a:spAutoFit/>
+          </a:bodyPr>
+          <a:lstStyle/>
+          <a:p>
+            <a:r>
+              <a:rPr lang="en-US" dirty="0" err="1" smtClean="0"/>
+              <a:t>Doms</a:t>
+            </a:r>
+            <a:r>
+              <a:rPr lang="en-US" dirty="0" smtClean="0"/>
+              <a:t> with G-Lew</a:t>
+            </a:r>
+            <a:endParaRPr lang="en-US" dirty="0"/>
+          </a:p>
+        </p:txBody>
+      </p:sp>
+      <p:sp>
+        <p:nvSpPr>
+          <p:cNvPr id="5" name="TextBox 4"/>
+          <p:cNvSpPr txBox="1"/>
+          <p:nvPr/>
+        </p:nvSpPr>
+        <p:spPr>
+          <a:xfrm>
+            <a:off x="4750526" y="4676503"/>
+            <a:ext cx="3056709" cy="369332"/>
+          </a:xfrm>
+          <a:prstGeom prst="rect">
+            <a:avLst/>
+          </a:prstGeom>
+          <a:noFill/>
+        </p:spPr>
+        <p:txBody>
+          <a:bodyPr wrap="square" rtlCol="0">
+            <a:spAutoFit/>
+          </a:bodyPr>
+          <a:lstStyle/>
+          <a:p>
+            <a:r>
+              <a:rPr lang="en-US" dirty="0" err="1" smtClean="0"/>
+              <a:t>Doms</a:t>
+            </a:r>
+            <a:r>
+              <a:rPr lang="en-US" dirty="0" smtClean="0"/>
+              <a:t> with Lew-WSB</a:t>
+            </a:r>
+            <a:endParaRPr lang="en-US" dirty="0"/>
+          </a:p>
+        </p:txBody>
+      </p:sp>
+      <p:sp>
+        <p:nvSpPr>
+          <p:cNvPr id="6" name="TextBox 5"/>
+          <p:cNvSpPr txBox="1"/>
+          <p:nvPr/>
+        </p:nvSpPr>
+        <p:spPr>
+          <a:xfrm>
+            <a:off x="8548801" y="4653949"/>
+            <a:ext cx="3056709" cy="369332"/>
+          </a:xfrm>
+          <a:prstGeom prst="rect">
+            <a:avLst/>
+          </a:prstGeom>
+          <a:noFill/>
+        </p:spPr>
+        <p:txBody>
+          <a:bodyPr wrap="square" rtlCol="0">
+            <a:spAutoFit/>
+          </a:bodyPr>
+          <a:lstStyle/>
+          <a:p>
+            <a:r>
+              <a:rPr lang="en-US" dirty="0" err="1" smtClean="0"/>
+              <a:t>Doms</a:t>
+            </a:r>
+            <a:r>
+              <a:rPr lang="en-US" dirty="0" smtClean="0"/>
+              <a:t> with WSB-Lew</a:t>
+            </a:r>
+            <a:endParaRPr lang="en-US" dirty="0"/>
+          </a:p>
+        </p:txBody>
+      </p:sp>
+      <p:sp>
+        <p:nvSpPr>
+          <p:cNvPr id="7" name="TextBox 6"/>
+          <p:cNvSpPr txBox="1"/>
+          <p:nvPr/>
+        </p:nvSpPr>
+        <p:spPr>
+          <a:xfrm>
+            <a:off x="966651" y="5434149"/>
+            <a:ext cx="5852160" cy="369332"/>
+          </a:xfrm>
+          <a:prstGeom prst="rect">
+            <a:avLst/>
+          </a:prstGeom>
+          <a:noFill/>
+        </p:spPr>
+        <p:txBody>
+          <a:bodyPr wrap="square" rtlCol="0">
+            <a:spAutoFit/>
+          </a:bodyPr>
+          <a:lstStyle/>
+          <a:p>
+            <a:r>
+              <a:rPr lang="en-US" dirty="0" smtClean="0"/>
+              <a:t>Make sure to change the number of observations</a:t>
+            </a:r>
+            <a:endParaRPr lang="en-US" dirty="0"/>
+          </a:p>
+        </p:txBody>
+      </p:sp>
+    </p:spTree>
+    <p:extLst>
+      <p:ext uri="{BB962C8B-B14F-4D97-AF65-F5344CB8AC3E}">
+        <p14:creationId xmlns:p14="http://schemas.microsoft.com/office/powerpoint/2010/main" val="1738551144"/>
+      </p:ext>
+    </p:extLst>
+  </p:cSld>
+  <p:clrMapOvr>
+    <a:masterClrMapping/>
+  </p:clrMapOvr>
+</p:sld>
+</file>
+
+<file path=ppt/slides/slide14.xml><?xml version="1.0" encoding="utf-8"?>
+<p:sld xmlns:a="http://schemas.openxmlformats.org/drawingml/2006/main" xmlns:r="http://schemas.openxmlformats.org/officeDocument/2006/relationships" xmlns:p="http://schemas.openxmlformats.org/presentationml/2006/main">
+  <p:cSld>
+    <p:spTree>
+      <p:nvGrpSpPr>
+        <p:cNvPr id="1" name=""/>
+        <p:cNvGrpSpPr/>
+        <p:nvPr/>
+      </p:nvGrpSpPr>
+      <p:grpSpPr>
+        <a:xfrm>
+          <a:off x="0" y="0"/>
+          <a:ext cx="0" cy="0"/>
+          <a:chOff x="0" y="0"/>
+          <a:chExt cx="0" cy="0"/>
+        </a:xfrm>
+      </p:grpSpPr>
+      <p:sp>
+        <p:nvSpPr>
+          <p:cNvPr id="2" name="Title 1"/>
+          <p:cNvSpPr>
+            <a:spLocks noGrp="1"/>
+          </p:cNvSpPr>
+          <p:nvPr>
+            <p:ph type="title"/>
+          </p:nvPr>
+        </p:nvSpPr>
+        <p:spPr/>
+        <p:txBody>
+          <a:bodyPr/>
+          <a:lstStyle/>
+          <a:p>
+            <a:endParaRPr lang="en-US"/>
+          </a:p>
+        </p:txBody>
+      </p:sp>
       <p:sp>
         <p:nvSpPr>
           <p:cNvPr id="3" name="TextBox 2"/>
@@ -5525,7 +6444,7 @@
 </p:sld>
 </file>
 
-<file path=ppt/slides/slide12.xml><?xml version="1.0" encoding="utf-8"?>
+<file path=ppt/slides/slide15.xml><?xml version="1.0" encoding="utf-8"?>
 <p:sld xmlns:a="http://schemas.openxmlformats.org/drawingml/2006/main" xmlns:r="http://schemas.openxmlformats.org/officeDocument/2006/relationships" xmlns:p="http://schemas.openxmlformats.org/presentationml/2006/main">
   <p:cSld>
     <p:spTree>
@@ -6039,76 +6958,70 @@
           </a:p>
         </p:txBody>
       </p:sp>
-      <p:sp>
-        <p:nvSpPr>
-          <p:cNvPr id="3" name="TextBox 2"/>
-          <p:cNvSpPr txBox="1"/>
+      <p:pic>
+        <p:nvPicPr>
+          <p:cNvPr id="4" name="Picture 3"/>
+          <p:cNvPicPr>
+            <a:picLocks noChangeAspect="1"/>
+          </p:cNvPicPr>
           <p:nvPr/>
-        </p:nvSpPr>
-        <p:spPr>
-          <a:xfrm>
-            <a:off x="1264596" y="2470826"/>
-            <a:ext cx="9766570" cy="2308324"/>
+        </p:nvPicPr>
+        <p:blipFill>
+          <a:blip r:embed="rId3">
+            <a:extLst>
+              <a:ext uri="{28A0092B-C50C-407E-A947-70E740481C1C}">
+                <a14:useLocalDpi xmlns:a14="http://schemas.microsoft.com/office/drawing/2010/main" val="0"/>
+              </a:ext>
+            </a:extLst>
+          </a:blip>
+          <a:stretch>
+            <a:fillRect/>
+          </a:stretch>
+        </p:blipFill>
+        <p:spPr>
+          <a:xfrm>
+            <a:off x="112644" y="437322"/>
+            <a:ext cx="6251714" cy="6251714"/>
           </a:xfrm>
           <a:prstGeom prst="rect">
             <a:avLst/>
           </a:prstGeom>
-          <a:noFill/>
-        </p:spPr>
-        <p:txBody>
-          <a:bodyPr wrap="square" rtlCol="0">
-            <a:spAutoFit/>
-          </a:bodyPr>
-          <a:lstStyle/>
-          <a:p>
-            <a:r>
-              <a:rPr lang="en-US" dirty="0" smtClean="0"/>
-              <a:t>Sample from within all females</a:t>
-            </a:r>
-          </a:p>
-          <a:p>
-            <a:endParaRPr lang="en-US" dirty="0"/>
-          </a:p>
-          <a:p>
-            <a:r>
-              <a:rPr lang="en-US" dirty="0" smtClean="0"/>
-              <a:t>-- what would the distribution look like if I didn’t maintain the groups</a:t>
-            </a:r>
-          </a:p>
-          <a:p>
-            <a:endParaRPr lang="en-US" dirty="0"/>
-          </a:p>
-          <a:p>
-            <a:r>
-              <a:rPr lang="en-US" dirty="0" smtClean="0"/>
-              <a:t>-- remember to maintain the ‘data’ structure of the observed data (N mice </a:t>
-            </a:r>
-            <a:r>
-              <a:rPr lang="en-US" dirty="0" err="1" smtClean="0"/>
-              <a:t>ect</a:t>
-            </a:r>
-            <a:r>
-              <a:rPr lang="en-US" dirty="0" smtClean="0"/>
-              <a:t>) – make sure that they are </a:t>
-            </a:r>
-            <a:r>
-              <a:rPr lang="en-US" dirty="0" err="1" smtClean="0"/>
-              <a:t>comprable</a:t>
-            </a:r>
-            <a:endParaRPr lang="en-US" dirty="0" smtClean="0"/>
-          </a:p>
-          <a:p>
-            <a:endParaRPr lang="en-US" dirty="0"/>
-          </a:p>
-          <a:p>
-            <a:endParaRPr lang="en-US" dirty="0"/>
-          </a:p>
-        </p:txBody>
-      </p:sp>
+        </p:spPr>
+      </p:pic>
+      <p:pic>
+        <p:nvPicPr>
+          <p:cNvPr id="5" name="Picture 4"/>
+          <p:cNvPicPr>
+            <a:picLocks noChangeAspect="1"/>
+          </p:cNvPicPr>
+          <p:nvPr/>
+        </p:nvPicPr>
+        <p:blipFill>
+          <a:blip r:embed="rId4">
+            <a:extLst>
+              <a:ext uri="{28A0092B-C50C-407E-A947-70E740481C1C}">
+                <a14:useLocalDpi xmlns:a14="http://schemas.microsoft.com/office/drawing/2010/main" val="0"/>
+              </a:ext>
+            </a:extLst>
+          </a:blip>
+          <a:stretch>
+            <a:fillRect/>
+          </a:stretch>
+        </p:blipFill>
+        <p:spPr>
+          <a:xfrm>
+            <a:off x="5924292" y="437322"/>
+            <a:ext cx="6267708" cy="6267708"/>
+          </a:xfrm>
+          <a:prstGeom prst="rect">
+            <a:avLst/>
+          </a:prstGeom>
+        </p:spPr>
+      </p:pic>
     </p:spTree>
     <p:extLst>
       <p:ext uri="{BB962C8B-B14F-4D97-AF65-F5344CB8AC3E}">
-        <p14:creationId xmlns:p14="http://schemas.microsoft.com/office/powerpoint/2010/main" val="396345554"/>
+        <p14:creationId xmlns:p14="http://schemas.microsoft.com/office/powerpoint/2010/main" val="250425410"/>
       </p:ext>
     </p:extLst>
   </p:cSld>
@@ -6163,15 +7076,21 @@
           <p:nvPr/>
         </p:nvPicPr>
         <p:blipFill>
-          <a:blip r:embed="rId3"/>
+          <a:blip r:embed="rId3">
+            <a:extLst>
+              <a:ext uri="{28A0092B-C50C-407E-A947-70E740481C1C}">
+                <a14:useLocalDpi xmlns:a14="http://schemas.microsoft.com/office/drawing/2010/main" val="0"/>
+              </a:ext>
+            </a:extLst>
+          </a:blip>
           <a:stretch>
             <a:fillRect/>
           </a:stretch>
         </p:blipFill>
         <p:spPr>
           <a:xfrm>
-            <a:off x="-961076" y="581749"/>
-            <a:ext cx="7757305" cy="5694501"/>
+            <a:off x="6373033" y="519516"/>
+            <a:ext cx="5818967" cy="5818967"/>
           </a:xfrm>
           <a:prstGeom prst="rect">
             <a:avLst/>
@@ -6187,15 +7106,21 @@
           <p:nvPr/>
         </p:nvPicPr>
         <p:blipFill>
-          <a:blip r:embed="rId4"/>
+          <a:blip r:embed="rId4">
+            <a:extLst>
+              <a:ext uri="{28A0092B-C50C-407E-A947-70E740481C1C}">
+                <a14:useLocalDpi xmlns:a14="http://schemas.microsoft.com/office/drawing/2010/main" val="0"/>
+              </a:ext>
+            </a:extLst>
+          </a:blip>
           <a:stretch>
             <a:fillRect/>
           </a:stretch>
         </p:blipFill>
         <p:spPr>
           <a:xfrm>
-            <a:off x="4587061" y="924211"/>
-            <a:ext cx="7492276" cy="5499948"/>
+            <a:off x="48497" y="519516"/>
+            <a:ext cx="6047503" cy="6047503"/>
           </a:xfrm>
           <a:prstGeom prst="rect">
             <a:avLst/>
@@ -6205,7 +7130,7 @@
     </p:spTree>
     <p:extLst>
       <p:ext uri="{BB962C8B-B14F-4D97-AF65-F5344CB8AC3E}">
-        <p14:creationId xmlns:p14="http://schemas.microsoft.com/office/powerpoint/2010/main" val="2383496507"/>
+        <p14:creationId xmlns:p14="http://schemas.microsoft.com/office/powerpoint/2010/main" val="1013287803"/>
       </p:ext>
     </p:extLst>
   </p:cSld>
@@ -6253,30 +7178,6 @@
       </p:sp>
       <p:pic>
         <p:nvPicPr>
-          <p:cNvPr id="4" name="Picture 3"/>
-          <p:cNvPicPr>
-            <a:picLocks noChangeAspect="1"/>
-          </p:cNvPicPr>
-          <p:nvPr/>
-        </p:nvPicPr>
-        <p:blipFill>
-          <a:blip r:embed="rId2"/>
-          <a:stretch>
-            <a:fillRect/>
-          </a:stretch>
-        </p:blipFill>
-        <p:spPr>
-          <a:xfrm>
-            <a:off x="-1580551" y="611388"/>
-            <a:ext cx="7676551" cy="5635221"/>
-          </a:xfrm>
-          <a:prstGeom prst="rect">
-            <a:avLst/>
-          </a:prstGeom>
-        </p:spPr>
-      </p:pic>
-      <p:pic>
-        <p:nvPicPr>
           <p:cNvPr id="5" name="Picture 4"/>
           <p:cNvPicPr>
             <a:picLocks noChangeAspect="1"/>
@@ -6284,15 +7185,51 @@
           <p:nvPr/>
         </p:nvPicPr>
         <p:blipFill>
-          <a:blip r:embed="rId3"/>
+          <a:blip r:embed="rId3">
+            <a:extLst>
+              <a:ext uri="{28A0092B-C50C-407E-A947-70E740481C1C}">
+                <a14:useLocalDpi xmlns:a14="http://schemas.microsoft.com/office/drawing/2010/main" val="0"/>
+              </a:ext>
+            </a:extLst>
+          </a:blip>
           <a:stretch>
             <a:fillRect/>
           </a:stretch>
         </p:blipFill>
         <p:spPr>
           <a:xfrm>
-            <a:off x="4236881" y="366514"/>
-            <a:ext cx="8343705" cy="6124967"/>
+            <a:off x="717177" y="1519518"/>
+            <a:ext cx="4572000" cy="4572000"/>
+          </a:xfrm>
+          <a:prstGeom prst="rect">
+            <a:avLst/>
+          </a:prstGeom>
+        </p:spPr>
+      </p:pic>
+      <p:pic>
+        <p:nvPicPr>
+          <p:cNvPr id="6" name="Picture 5"/>
+          <p:cNvPicPr>
+            <a:picLocks noChangeAspect="1"/>
+          </p:cNvPicPr>
+          <p:nvPr/>
+        </p:nvPicPr>
+        <p:blipFill>
+          <a:blip r:embed="rId4">
+            <a:extLst>
+              <a:ext uri="{28A0092B-C50C-407E-A947-70E740481C1C}">
+                <a14:useLocalDpi xmlns:a14="http://schemas.microsoft.com/office/drawing/2010/main" val="0"/>
+              </a:ext>
+            </a:extLst>
+          </a:blip>
+          <a:stretch>
+            <a:fillRect/>
+          </a:stretch>
+        </p:blipFill>
+        <p:spPr>
+          <a:xfrm>
+            <a:off x="6889377" y="1717990"/>
+            <a:ext cx="4572000" cy="4572000"/>
           </a:xfrm>
           <a:prstGeom prst="rect">
             <a:avLst/>
@@ -6302,7 +7239,7 @@
     </p:spTree>
     <p:extLst>
       <p:ext uri="{BB962C8B-B14F-4D97-AF65-F5344CB8AC3E}">
-        <p14:creationId xmlns:p14="http://schemas.microsoft.com/office/powerpoint/2010/main" val="3698786493"/>
+        <p14:creationId xmlns:p14="http://schemas.microsoft.com/office/powerpoint/2010/main" val="1250439279"/>
       </p:ext>
     </p:extLst>
   </p:cSld>
@@ -6348,58 +7285,76 @@
           </a:p>
         </p:txBody>
       </p:sp>
-      <p:pic>
-        <p:nvPicPr>
-          <p:cNvPr id="3" name="Picture 2"/>
-          <p:cNvPicPr>
-            <a:picLocks noChangeAspect="1"/>
-          </p:cNvPicPr>
+      <p:sp>
+        <p:nvSpPr>
+          <p:cNvPr id="3" name="TextBox 2"/>
+          <p:cNvSpPr txBox="1"/>
           <p:nvPr/>
-        </p:nvPicPr>
-        <p:blipFill>
-          <a:blip r:embed="rId3"/>
-          <a:stretch>
-            <a:fillRect/>
-          </a:stretch>
-        </p:blipFill>
-        <p:spPr>
-          <a:xfrm>
-            <a:off x="4235168" y="43721"/>
-            <a:ext cx="9282717" cy="6814279"/>
+        </p:nvSpPr>
+        <p:spPr>
+          <a:xfrm>
+            <a:off x="1264596" y="2470826"/>
+            <a:ext cx="9766570" cy="2308324"/>
           </a:xfrm>
           <a:prstGeom prst="rect">
             <a:avLst/>
           </a:prstGeom>
-        </p:spPr>
-      </p:pic>
-      <p:pic>
-        <p:nvPicPr>
-          <p:cNvPr id="4" name="Picture 3"/>
-          <p:cNvPicPr>
-            <a:picLocks noChangeAspect="1"/>
-          </p:cNvPicPr>
-          <p:nvPr/>
-        </p:nvPicPr>
-        <p:blipFill>
-          <a:blip r:embed="rId4"/>
-          <a:stretch>
-            <a:fillRect/>
-          </a:stretch>
-        </p:blipFill>
-        <p:spPr>
-          <a:xfrm>
-            <a:off x="1052045" y="-3843802"/>
-            <a:ext cx="9473937" cy="6954650"/>
-          </a:xfrm>
-          <a:prstGeom prst="rect">
-            <a:avLst/>
-          </a:prstGeom>
-        </p:spPr>
-      </p:pic>
+          <a:noFill/>
+        </p:spPr>
+        <p:txBody>
+          <a:bodyPr wrap="square" rtlCol="0">
+            <a:spAutoFit/>
+          </a:bodyPr>
+          <a:lstStyle/>
+          <a:p>
+            <a:r>
+              <a:rPr lang="en-US" dirty="0" smtClean="0"/>
+              <a:t>Sample from within all females</a:t>
+            </a:r>
+          </a:p>
+          <a:p>
+            <a:endParaRPr lang="en-US" dirty="0"/>
+          </a:p>
+          <a:p>
+            <a:r>
+              <a:rPr lang="en-US" dirty="0" smtClean="0"/>
+              <a:t>-- what would the distribution look like if I didn’t maintain the groups</a:t>
+            </a:r>
+          </a:p>
+          <a:p>
+            <a:endParaRPr lang="en-US" dirty="0"/>
+          </a:p>
+          <a:p>
+            <a:r>
+              <a:rPr lang="en-US" dirty="0" smtClean="0"/>
+              <a:t>-- remember to maintain the ‘data’ structure of the observed data (N mice </a:t>
+            </a:r>
+            <a:r>
+              <a:rPr lang="en-US" dirty="0" err="1" smtClean="0"/>
+              <a:t>ect</a:t>
+            </a:r>
+            <a:r>
+              <a:rPr lang="en-US" dirty="0" smtClean="0"/>
+              <a:t>) – make sure that they are </a:t>
+            </a:r>
+            <a:r>
+              <a:rPr lang="en-US" dirty="0" err="1" smtClean="0"/>
+              <a:t>comprable</a:t>
+            </a:r>
+            <a:endParaRPr lang="en-US" dirty="0" smtClean="0"/>
+          </a:p>
+          <a:p>
+            <a:endParaRPr lang="en-US" dirty="0"/>
+          </a:p>
+          <a:p>
+            <a:endParaRPr lang="en-US" dirty="0"/>
+          </a:p>
+        </p:txBody>
+      </p:sp>
     </p:spTree>
     <p:extLst>
       <p:ext uri="{BB962C8B-B14F-4D97-AF65-F5344CB8AC3E}">
-        <p14:creationId xmlns:p14="http://schemas.microsoft.com/office/powerpoint/2010/main" val="963742143"/>
+        <p14:creationId xmlns:p14="http://schemas.microsoft.com/office/powerpoint/2010/main" val="396345554"/>
       </p:ext>
     </p:extLst>
   </p:cSld>
